--- a/ppt/Kochat 설명.pptx
+++ b/ppt/Kochat 설명.pptx
@@ -5,8 +5,7 @@
     <p:sldMasterId id="2147483648" r:id="rId1"/>
   </p:sldMasterIdLst>
   <p:sldIdLst>
-    <p:sldId id="263" r:id="rId2"/>
-    <p:sldId id="264" r:id="rId3"/>
+    <p:sldId id="265" r:id="rId2"/>
   </p:sldIdLst>
   <p:sldSz cx="12192000" cy="6858000"/>
   <p:notesSz cx="6858000" cy="9144000"/>
@@ -105,6 +104,11 @@
       </a:defRPr>
     </a:lvl9pPr>
   </p:defaultTextStyle>
+  <p:extLst>
+    <p:ext uri="{EFAFB233-063F-42B5-8137-9DF3F51BA10A}">
+      <p15:sldGuideLst xmlns:p15="http://schemas.microsoft.com/office/powerpoint/2012/main"/>
+    </p:ext>
+  </p:extLst>
 </p:presentation>
 </file>
 
@@ -255,7 +259,7 @@
           <a:p>
             <a:fld id="{D461E7BF-3935-49EC-A08E-AB24F4E41E7A}" type="datetimeFigureOut">
               <a:rPr lang="ko-KR" altLang="en-US" smtClean="0"/>
-              <a:t>2022-11-17</a:t>
+              <a:t>2022-11-22</a:t>
             </a:fld>
             <a:endParaRPr lang="ko-KR" altLang="en-US"/>
           </a:p>
@@ -453,7 +457,7 @@
           <a:p>
             <a:fld id="{D461E7BF-3935-49EC-A08E-AB24F4E41E7A}" type="datetimeFigureOut">
               <a:rPr lang="ko-KR" altLang="en-US" smtClean="0"/>
-              <a:t>2022-11-17</a:t>
+              <a:t>2022-11-22</a:t>
             </a:fld>
             <a:endParaRPr lang="ko-KR" altLang="en-US"/>
           </a:p>
@@ -661,7 +665,7 @@
           <a:p>
             <a:fld id="{D461E7BF-3935-49EC-A08E-AB24F4E41E7A}" type="datetimeFigureOut">
               <a:rPr lang="ko-KR" altLang="en-US" smtClean="0"/>
-              <a:t>2022-11-17</a:t>
+              <a:t>2022-11-22</a:t>
             </a:fld>
             <a:endParaRPr lang="ko-KR" altLang="en-US"/>
           </a:p>
@@ -859,7 +863,7 @@
           <a:p>
             <a:fld id="{D461E7BF-3935-49EC-A08E-AB24F4E41E7A}" type="datetimeFigureOut">
               <a:rPr lang="ko-KR" altLang="en-US" smtClean="0"/>
-              <a:t>2022-11-17</a:t>
+              <a:t>2022-11-22</a:t>
             </a:fld>
             <a:endParaRPr lang="ko-KR" altLang="en-US"/>
           </a:p>
@@ -1134,7 +1138,7 @@
           <a:p>
             <a:fld id="{D461E7BF-3935-49EC-A08E-AB24F4E41E7A}" type="datetimeFigureOut">
               <a:rPr lang="ko-KR" altLang="en-US" smtClean="0"/>
-              <a:t>2022-11-17</a:t>
+              <a:t>2022-11-22</a:t>
             </a:fld>
             <a:endParaRPr lang="ko-KR" altLang="en-US"/>
           </a:p>
@@ -1399,7 +1403,7 @@
           <a:p>
             <a:fld id="{D461E7BF-3935-49EC-A08E-AB24F4E41E7A}" type="datetimeFigureOut">
               <a:rPr lang="ko-KR" altLang="en-US" smtClean="0"/>
-              <a:t>2022-11-17</a:t>
+              <a:t>2022-11-22</a:t>
             </a:fld>
             <a:endParaRPr lang="ko-KR" altLang="en-US"/>
           </a:p>
@@ -1811,7 +1815,7 @@
           <a:p>
             <a:fld id="{D461E7BF-3935-49EC-A08E-AB24F4E41E7A}" type="datetimeFigureOut">
               <a:rPr lang="ko-KR" altLang="en-US" smtClean="0"/>
-              <a:t>2022-11-17</a:t>
+              <a:t>2022-11-22</a:t>
             </a:fld>
             <a:endParaRPr lang="ko-KR" altLang="en-US"/>
           </a:p>
@@ -1952,7 +1956,7 @@
           <a:p>
             <a:fld id="{D461E7BF-3935-49EC-A08E-AB24F4E41E7A}" type="datetimeFigureOut">
               <a:rPr lang="ko-KR" altLang="en-US" smtClean="0"/>
-              <a:t>2022-11-17</a:t>
+              <a:t>2022-11-22</a:t>
             </a:fld>
             <a:endParaRPr lang="ko-KR" altLang="en-US"/>
           </a:p>
@@ -2065,7 +2069,7 @@
           <a:p>
             <a:fld id="{D461E7BF-3935-49EC-A08E-AB24F4E41E7A}" type="datetimeFigureOut">
               <a:rPr lang="ko-KR" altLang="en-US" smtClean="0"/>
-              <a:t>2022-11-17</a:t>
+              <a:t>2022-11-22</a:t>
             </a:fld>
             <a:endParaRPr lang="ko-KR" altLang="en-US"/>
           </a:p>
@@ -2376,7 +2380,7 @@
           <a:p>
             <a:fld id="{D461E7BF-3935-49EC-A08E-AB24F4E41E7A}" type="datetimeFigureOut">
               <a:rPr lang="ko-KR" altLang="en-US" smtClean="0"/>
-              <a:t>2022-11-17</a:t>
+              <a:t>2022-11-22</a:t>
             </a:fld>
             <a:endParaRPr lang="ko-KR" altLang="en-US"/>
           </a:p>
@@ -2664,7 +2668,7 @@
           <a:p>
             <a:fld id="{D461E7BF-3935-49EC-A08E-AB24F4E41E7A}" type="datetimeFigureOut">
               <a:rPr lang="ko-KR" altLang="en-US" smtClean="0"/>
-              <a:t>2022-11-17</a:t>
+              <a:t>2022-11-22</a:t>
             </a:fld>
             <a:endParaRPr lang="ko-KR" altLang="en-US"/>
           </a:p>
@@ -2905,7 +2909,7 @@
           <a:p>
             <a:fld id="{D461E7BF-3935-49EC-A08E-AB24F4E41E7A}" type="datetimeFigureOut">
               <a:rPr lang="ko-KR" altLang="en-US" smtClean="0"/>
-              <a:t>2022-11-17</a:t>
+              <a:t>2022-11-22</a:t>
             </a:fld>
             <a:endParaRPr lang="ko-KR" altLang="en-US"/>
           </a:p>
@@ -3322,518 +3326,12 @@
           <a:chExt cx="0" cy="0"/>
         </a:xfrm>
       </p:grpSpPr>
-      <p:sp>
-        <p:nvSpPr>
-          <p:cNvPr id="2" name="제목 1">
-            <a:extLst>
-              <a:ext uri="{FF2B5EF4-FFF2-40B4-BE49-F238E27FC236}">
-                <a16:creationId xmlns:a16="http://schemas.microsoft.com/office/drawing/2014/main" id="{A02D14EE-FD5C-D8C9-0271-54932BA2961A}"/>
-              </a:ext>
-            </a:extLst>
-          </p:cNvPr>
-          <p:cNvSpPr>
-            <a:spLocks noGrp="1"/>
-          </p:cNvSpPr>
-          <p:nvPr>
-            <p:ph type="title"/>
-          </p:nvPr>
-        </p:nvSpPr>
-        <p:spPr>
-          <a:xfrm>
-            <a:off x="838200" y="365125"/>
-            <a:ext cx="10088880" cy="768731"/>
-          </a:xfrm>
-        </p:spPr>
-        <p:txBody>
-          <a:bodyPr>
-            <a:normAutofit/>
-          </a:bodyPr>
-          <a:lstStyle/>
-          <a:p>
-            <a:r>
-              <a:rPr lang="en-US" altLang="ko-KR" sz="4000" dirty="0" err="1"/>
-              <a:t>Kochat</a:t>
-            </a:r>
-            <a:r>
-              <a:rPr lang="en-US" altLang="ko-KR" sz="4000" dirty="0"/>
-              <a:t>: </a:t>
-            </a:r>
-            <a:r>
-              <a:rPr lang="ko-KR" altLang="en-US" sz="4000" dirty="0"/>
-              <a:t>한국어 목적 지향 </a:t>
-            </a:r>
-            <a:r>
-              <a:rPr lang="ko-KR" altLang="en-US" sz="4000" dirty="0" err="1"/>
-              <a:t>챗봇</a:t>
-            </a:r>
-            <a:r>
-              <a:rPr lang="ko-KR" altLang="en-US" sz="4000" dirty="0"/>
-              <a:t> 프레임워크</a:t>
-            </a:r>
-          </a:p>
-        </p:txBody>
-      </p:sp>
-      <p:sp>
-        <p:nvSpPr>
-          <p:cNvPr id="4" name="내용 개체 틀 3">
-            <a:extLst>
-              <a:ext uri="{FF2B5EF4-FFF2-40B4-BE49-F238E27FC236}">
-                <a16:creationId xmlns:a16="http://schemas.microsoft.com/office/drawing/2014/main" id="{8F1432D9-3234-A8FB-33BC-026BBFC2B0BC}"/>
-              </a:ext>
-            </a:extLst>
-          </p:cNvPr>
-          <p:cNvSpPr>
-            <a:spLocks noGrp="1"/>
-          </p:cNvSpPr>
-          <p:nvPr>
-            <p:ph sz="half" idx="2"/>
-          </p:nvPr>
-        </p:nvSpPr>
-        <p:spPr>
-          <a:xfrm>
-            <a:off x="7471338" y="1349522"/>
-            <a:ext cx="4562166" cy="5279878"/>
-          </a:xfrm>
-        </p:spPr>
-        <p:txBody>
-          <a:bodyPr/>
-          <a:lstStyle/>
-          <a:p>
-            <a:pPr marL="0" indent="0">
-              <a:buNone/>
-            </a:pPr>
-            <a:r>
-              <a:rPr lang="en-US" altLang="ko-KR" dirty="0"/>
-              <a:t>1. </a:t>
-            </a:r>
-            <a:r>
-              <a:rPr lang="ko-KR" altLang="en-US" dirty="0"/>
-              <a:t>사용자가 입력한 문장을 품사를 기반으로 토큰화를 진행한다</a:t>
-            </a:r>
-            <a:r>
-              <a:rPr lang="en-US" altLang="ko-KR" dirty="0"/>
-              <a:t>.</a:t>
-            </a:r>
-          </a:p>
-          <a:p>
-            <a:pPr marL="0" indent="0">
-              <a:buNone/>
-            </a:pPr>
-            <a:r>
-              <a:rPr lang="en-US" altLang="ko-KR" dirty="0"/>
-              <a:t>2.</a:t>
-            </a:r>
-            <a:r>
-              <a:rPr lang="ko-KR" altLang="en-US" dirty="0"/>
-              <a:t> 데이터 </a:t>
-            </a:r>
-            <a:r>
-              <a:rPr lang="ko-KR" altLang="en-US" dirty="0" err="1"/>
-              <a:t>전처리</a:t>
-            </a:r>
-            <a:r>
-              <a:rPr lang="ko-KR" altLang="en-US" dirty="0"/>
-              <a:t> 이후에 워드 </a:t>
-            </a:r>
-            <a:r>
-              <a:rPr lang="ko-KR" altLang="en-US" dirty="0" err="1"/>
-              <a:t>임베딩을</a:t>
-            </a:r>
-            <a:r>
-              <a:rPr lang="ko-KR" altLang="en-US" dirty="0"/>
-              <a:t> 수행한다</a:t>
-            </a:r>
-            <a:r>
-              <a:rPr lang="en-US" altLang="ko-KR" dirty="0"/>
-              <a:t>.</a:t>
-            </a:r>
-          </a:p>
-          <a:p>
-            <a:pPr marL="0" indent="0">
-              <a:buNone/>
-            </a:pPr>
-            <a:r>
-              <a:rPr lang="en-US" altLang="ko-KR" dirty="0"/>
-              <a:t>3. </a:t>
-            </a:r>
-            <a:r>
-              <a:rPr lang="ko-KR" altLang="en-US" dirty="0" err="1"/>
-              <a:t>인텐트</a:t>
-            </a:r>
-            <a:r>
-              <a:rPr lang="ko-KR" altLang="en-US" dirty="0"/>
-              <a:t> 모듈에서 사용자의 발화 의도를 파악하고 엔티티 모듈에서 문장내의 개체명을 인식한다</a:t>
-            </a:r>
-            <a:r>
-              <a:rPr lang="en-US" altLang="ko-KR" dirty="0"/>
-              <a:t>. </a:t>
-            </a:r>
-            <a:r>
-              <a:rPr lang="ko-KR" altLang="en-US" dirty="0"/>
-              <a:t>정해진 도메인 이외의 문장이 입력된 경우 </a:t>
-            </a:r>
-            <a:r>
-              <a:rPr lang="ko-KR" altLang="en-US" dirty="0" err="1"/>
-              <a:t>폴백</a:t>
-            </a:r>
-            <a:r>
-              <a:rPr lang="ko-KR" altLang="en-US" dirty="0"/>
-              <a:t> 모듈을 통해 반환한다</a:t>
-            </a:r>
-            <a:r>
-              <a:rPr lang="en-US" altLang="ko-KR" dirty="0"/>
-              <a:t>.</a:t>
-            </a:r>
-            <a:r>
-              <a:rPr lang="ko-KR" altLang="en-US" dirty="0"/>
-              <a:t> </a:t>
-            </a:r>
-          </a:p>
-        </p:txBody>
-      </p:sp>
       <p:pic>
         <p:nvPicPr>
-          <p:cNvPr id="5" name="Picture 2">
-            <a:extLst>
-              <a:ext uri="{FF2B5EF4-FFF2-40B4-BE49-F238E27FC236}">
-                <a16:creationId xmlns:a16="http://schemas.microsoft.com/office/drawing/2014/main" id="{7C60DC03-9633-1C1D-6AF4-F3C105447B72}"/>
-              </a:ext>
-            </a:extLst>
-          </p:cNvPr>
-          <p:cNvPicPr>
-            <a:picLocks noGrp="1" noChangeAspect="1" noChangeArrowheads="1"/>
-          </p:cNvPicPr>
-          <p:nvPr>
-            <p:ph sz="half" idx="1"/>
-          </p:nvPr>
-        </p:nvPicPr>
-        <p:blipFill>
-          <a:blip r:embed="rId2">
-            <a:extLst>
-              <a:ext uri="{28A0092B-C50C-407E-A947-70E740481C1C}">
-                <a14:useLocalDpi xmlns:a14="http://schemas.microsoft.com/office/drawing/2010/main" val="0"/>
-              </a:ext>
-            </a:extLst>
-          </a:blip>
-          <a:srcRect/>
-          <a:stretch>
-            <a:fillRect/>
-          </a:stretch>
-        </p:blipFill>
-        <p:spPr bwMode="auto">
-          <a:xfrm>
-            <a:off x="158496" y="1349522"/>
-            <a:ext cx="7379522" cy="4840966"/>
-          </a:xfrm>
-          <a:prstGeom prst="rect">
-            <a:avLst/>
-          </a:prstGeom>
-          <a:noFill/>
-          <a:extLst>
-            <a:ext uri="{909E8E84-426E-40DD-AFC4-6F175D3DCCD1}">
-              <a14:hiddenFill xmlns:a14="http://schemas.microsoft.com/office/drawing/2010/main">
-                <a:solidFill>
-                  <a:srgbClr val="FFFFFF"/>
-                </a:solidFill>
-              </a14:hiddenFill>
-            </a:ext>
-          </a:extLst>
-        </p:spPr>
-      </p:pic>
-      <p:sp>
-        <p:nvSpPr>
-          <p:cNvPr id="9" name="내용 개체 틀 3">
-            <a:extLst>
-              <a:ext uri="{FF2B5EF4-FFF2-40B4-BE49-F238E27FC236}">
-                <a16:creationId xmlns:a16="http://schemas.microsoft.com/office/drawing/2014/main" id="{BBD125F9-BCD8-44AF-B166-908F4283FB40}"/>
-              </a:ext>
-            </a:extLst>
-          </p:cNvPr>
-          <p:cNvSpPr txBox="1">
-            <a:spLocks/>
-          </p:cNvSpPr>
-          <p:nvPr/>
-        </p:nvSpPr>
-        <p:spPr>
-          <a:xfrm>
-            <a:off x="7471338" y="1364389"/>
-            <a:ext cx="4562166" cy="5279878"/>
-          </a:xfrm>
-          <a:prstGeom prst="rect">
-            <a:avLst/>
-          </a:prstGeom>
-        </p:spPr>
-        <p:txBody>
-          <a:bodyPr vert="horz" lIns="91440" tIns="45720" rIns="91440" bIns="45720" rtlCol="0">
-            <a:normAutofit/>
-          </a:bodyPr>
-          <a:lstStyle>
-            <a:lvl1pPr marL="228600" indent="-228600" algn="l" defTabSz="914400" rtl="0" eaLnBrk="1" latinLnBrk="1" hangingPunct="1">
-              <a:lnSpc>
-                <a:spcPct val="90000"/>
-              </a:lnSpc>
-              <a:spcBef>
-                <a:spcPts val="1000"/>
-              </a:spcBef>
-              <a:buFont typeface="Arial" panose="020B0604020202020204" pitchFamily="34" charset="0"/>
-              <a:buChar char="•"/>
-              <a:defRPr sz="2800" kern="1200">
-                <a:solidFill>
-                  <a:schemeClr val="tx1"/>
-                </a:solidFill>
-                <a:latin typeface="+mn-lt"/>
-                <a:ea typeface="+mn-ea"/>
-                <a:cs typeface="+mn-cs"/>
-              </a:defRPr>
-            </a:lvl1pPr>
-            <a:lvl2pPr marL="685800" indent="-228600" algn="l" defTabSz="914400" rtl="0" eaLnBrk="1" latinLnBrk="1" hangingPunct="1">
-              <a:lnSpc>
-                <a:spcPct val="90000"/>
-              </a:lnSpc>
-              <a:spcBef>
-                <a:spcPts val="500"/>
-              </a:spcBef>
-              <a:buFont typeface="Arial" panose="020B0604020202020204" pitchFamily="34" charset="0"/>
-              <a:buChar char="•"/>
-              <a:defRPr sz="2400" kern="1200">
-                <a:solidFill>
-                  <a:schemeClr val="tx1"/>
-                </a:solidFill>
-                <a:latin typeface="+mn-lt"/>
-                <a:ea typeface="+mn-ea"/>
-                <a:cs typeface="+mn-cs"/>
-              </a:defRPr>
-            </a:lvl2pPr>
-            <a:lvl3pPr marL="1143000" indent="-228600" algn="l" defTabSz="914400" rtl="0" eaLnBrk="1" latinLnBrk="1" hangingPunct="1">
-              <a:lnSpc>
-                <a:spcPct val="90000"/>
-              </a:lnSpc>
-              <a:spcBef>
-                <a:spcPts val="500"/>
-              </a:spcBef>
-              <a:buFont typeface="Arial" panose="020B0604020202020204" pitchFamily="34" charset="0"/>
-              <a:buChar char="•"/>
-              <a:defRPr sz="2000" kern="1200">
-                <a:solidFill>
-                  <a:schemeClr val="tx1"/>
-                </a:solidFill>
-                <a:latin typeface="+mn-lt"/>
-                <a:ea typeface="+mn-ea"/>
-                <a:cs typeface="+mn-cs"/>
-              </a:defRPr>
-            </a:lvl3pPr>
-            <a:lvl4pPr marL="1600200" indent="-228600" algn="l" defTabSz="914400" rtl="0" eaLnBrk="1" latinLnBrk="1" hangingPunct="1">
-              <a:lnSpc>
-                <a:spcPct val="90000"/>
-              </a:lnSpc>
-              <a:spcBef>
-                <a:spcPts val="500"/>
-              </a:spcBef>
-              <a:buFont typeface="Arial" panose="020B0604020202020204" pitchFamily="34" charset="0"/>
-              <a:buChar char="•"/>
-              <a:defRPr sz="1800" kern="1200">
-                <a:solidFill>
-                  <a:schemeClr val="tx1"/>
-                </a:solidFill>
-                <a:latin typeface="+mn-lt"/>
-                <a:ea typeface="+mn-ea"/>
-                <a:cs typeface="+mn-cs"/>
-              </a:defRPr>
-            </a:lvl4pPr>
-            <a:lvl5pPr marL="2057400" indent="-228600" algn="l" defTabSz="914400" rtl="0" eaLnBrk="1" latinLnBrk="1" hangingPunct="1">
-              <a:lnSpc>
-                <a:spcPct val="90000"/>
-              </a:lnSpc>
-              <a:spcBef>
-                <a:spcPts val="500"/>
-              </a:spcBef>
-              <a:buFont typeface="Arial" panose="020B0604020202020204" pitchFamily="34" charset="0"/>
-              <a:buChar char="•"/>
-              <a:defRPr sz="1800" kern="1200">
-                <a:solidFill>
-                  <a:schemeClr val="tx1"/>
-                </a:solidFill>
-                <a:latin typeface="+mn-lt"/>
-                <a:ea typeface="+mn-ea"/>
-                <a:cs typeface="+mn-cs"/>
-              </a:defRPr>
-            </a:lvl5pPr>
-            <a:lvl6pPr marL="2514600" indent="-228600" algn="l" defTabSz="914400" rtl="0" eaLnBrk="1" latinLnBrk="1" hangingPunct="1">
-              <a:lnSpc>
-                <a:spcPct val="90000"/>
-              </a:lnSpc>
-              <a:spcBef>
-                <a:spcPts val="500"/>
-              </a:spcBef>
-              <a:buFont typeface="Arial" panose="020B0604020202020204" pitchFamily="34" charset="0"/>
-              <a:buChar char="•"/>
-              <a:defRPr sz="1800" kern="1200">
-                <a:solidFill>
-                  <a:schemeClr val="tx1"/>
-                </a:solidFill>
-                <a:latin typeface="+mn-lt"/>
-                <a:ea typeface="+mn-ea"/>
-                <a:cs typeface="+mn-cs"/>
-              </a:defRPr>
-            </a:lvl6pPr>
-            <a:lvl7pPr marL="2971800" indent="-228600" algn="l" defTabSz="914400" rtl="0" eaLnBrk="1" latinLnBrk="1" hangingPunct="1">
-              <a:lnSpc>
-                <a:spcPct val="90000"/>
-              </a:lnSpc>
-              <a:spcBef>
-                <a:spcPts val="500"/>
-              </a:spcBef>
-              <a:buFont typeface="Arial" panose="020B0604020202020204" pitchFamily="34" charset="0"/>
-              <a:buChar char="•"/>
-              <a:defRPr sz="1800" kern="1200">
-                <a:solidFill>
-                  <a:schemeClr val="tx1"/>
-                </a:solidFill>
-                <a:latin typeface="+mn-lt"/>
-                <a:ea typeface="+mn-ea"/>
-                <a:cs typeface="+mn-cs"/>
-              </a:defRPr>
-            </a:lvl7pPr>
-            <a:lvl8pPr marL="3429000" indent="-228600" algn="l" defTabSz="914400" rtl="0" eaLnBrk="1" latinLnBrk="1" hangingPunct="1">
-              <a:lnSpc>
-                <a:spcPct val="90000"/>
-              </a:lnSpc>
-              <a:spcBef>
-                <a:spcPts val="500"/>
-              </a:spcBef>
-              <a:buFont typeface="Arial" panose="020B0604020202020204" pitchFamily="34" charset="0"/>
-              <a:buChar char="•"/>
-              <a:defRPr sz="1800" kern="1200">
-                <a:solidFill>
-                  <a:schemeClr val="tx1"/>
-                </a:solidFill>
-                <a:latin typeface="+mn-lt"/>
-                <a:ea typeface="+mn-ea"/>
-                <a:cs typeface="+mn-cs"/>
-              </a:defRPr>
-            </a:lvl8pPr>
-            <a:lvl9pPr marL="3886200" indent="-228600" algn="l" defTabSz="914400" rtl="0" eaLnBrk="1" latinLnBrk="1" hangingPunct="1">
-              <a:lnSpc>
-                <a:spcPct val="90000"/>
-              </a:lnSpc>
-              <a:spcBef>
-                <a:spcPts val="500"/>
-              </a:spcBef>
-              <a:buFont typeface="Arial" panose="020B0604020202020204" pitchFamily="34" charset="0"/>
-              <a:buChar char="•"/>
-              <a:defRPr sz="1800" kern="1200">
-                <a:solidFill>
-                  <a:schemeClr val="tx1"/>
-                </a:solidFill>
-                <a:latin typeface="+mn-lt"/>
-                <a:ea typeface="+mn-ea"/>
-                <a:cs typeface="+mn-cs"/>
-              </a:defRPr>
-            </a:lvl9pPr>
-          </a:lstStyle>
-          <a:p>
-            <a:pPr marL="0" indent="0">
-              <a:buFont typeface="Arial" panose="020B0604020202020204" pitchFamily="34" charset="0"/>
-              <a:buNone/>
-            </a:pPr>
-            <a:endParaRPr lang="en-US" altLang="ko-KR" dirty="0"/>
-          </a:p>
-          <a:p>
-            <a:pPr marL="0" indent="0">
-              <a:buFont typeface="Arial" panose="020B0604020202020204" pitchFamily="34" charset="0"/>
-              <a:buNone/>
-            </a:pPr>
-            <a:endParaRPr lang="ko-KR" altLang="en-US" dirty="0"/>
-          </a:p>
-        </p:txBody>
-      </p:sp>
-      <p:sp>
-        <p:nvSpPr>
-          <p:cNvPr id="10" name="TextBox 9">
-            <a:extLst>
-              <a:ext uri="{FF2B5EF4-FFF2-40B4-BE49-F238E27FC236}">
-                <a16:creationId xmlns:a16="http://schemas.microsoft.com/office/drawing/2014/main" id="{3AD5F161-017D-4C4D-C5DD-8D688DC33F3D}"/>
-              </a:ext>
-            </a:extLst>
-          </p:cNvPr>
-          <p:cNvSpPr txBox="1"/>
-          <p:nvPr/>
-        </p:nvSpPr>
-        <p:spPr>
-          <a:xfrm>
-            <a:off x="7471338" y="1364389"/>
-            <a:ext cx="4562166" cy="3108543"/>
-          </a:xfrm>
-          <a:prstGeom prst="rect">
-            <a:avLst/>
-          </a:prstGeom>
-          <a:noFill/>
-        </p:spPr>
-        <p:txBody>
-          <a:bodyPr wrap="square" rtlCol="0">
-            <a:spAutoFit/>
-          </a:bodyPr>
-          <a:lstStyle/>
-          <a:p>
-            <a:r>
-              <a:rPr lang="en-US" altLang="ko-KR" sz="2800" dirty="0"/>
-              <a:t>4. </a:t>
-            </a:r>
-            <a:r>
-              <a:rPr lang="ko-KR" altLang="en-US" sz="2800" dirty="0" err="1"/>
-              <a:t>인텐트</a:t>
-            </a:r>
-            <a:r>
-              <a:rPr lang="ko-KR" altLang="en-US" sz="2800" dirty="0"/>
-              <a:t> 모듈을 통해 슬롯을 고르고</a:t>
-            </a:r>
-            <a:r>
-              <a:rPr lang="en-US" altLang="ko-KR" sz="2800" dirty="0"/>
-              <a:t>, </a:t>
-            </a:r>
-            <a:r>
-              <a:rPr lang="ko-KR" altLang="en-US" sz="2800" dirty="0"/>
-              <a:t>엔티티 모듈을 통해 해당 슬롯을 채운다</a:t>
-            </a:r>
-            <a:r>
-              <a:rPr lang="en-US" altLang="ko-KR" sz="2800" dirty="0"/>
-              <a:t>.</a:t>
-            </a:r>
-          </a:p>
-          <a:p>
-            <a:endParaRPr lang="en-US" altLang="ko-KR" sz="2800" dirty="0"/>
-          </a:p>
-          <a:p>
-            <a:r>
-              <a:rPr lang="en-US" altLang="ko-KR" sz="2800" dirty="0"/>
-              <a:t>5.</a:t>
-            </a:r>
-            <a:r>
-              <a:rPr lang="ko-KR" altLang="en-US" sz="2800" dirty="0"/>
-              <a:t> 마지막으로 </a:t>
-            </a:r>
-            <a:r>
-              <a:rPr lang="en-US" altLang="ko-KR" sz="2800" dirty="0"/>
-              <a:t>API</a:t>
-            </a:r>
-            <a:r>
-              <a:rPr lang="ko-KR" altLang="en-US" sz="2800" dirty="0"/>
-              <a:t>를 호출하여 사용자에게 정보를 제공한다</a:t>
-            </a:r>
-            <a:r>
-              <a:rPr lang="en-US" altLang="ko-KR" sz="2800" dirty="0"/>
-              <a:t>.</a:t>
-            </a:r>
-            <a:endParaRPr lang="ko-KR" altLang="en-US" sz="2800" dirty="0"/>
-          </a:p>
-        </p:txBody>
-      </p:sp>
-      <p:pic>
-        <p:nvPicPr>
-          <p:cNvPr id="12" name="그림 11">
-            <a:extLst>
-              <a:ext uri="{FF2B5EF4-FFF2-40B4-BE49-F238E27FC236}">
-                <a16:creationId xmlns:a16="http://schemas.microsoft.com/office/drawing/2014/main" id="{F999B790-20DD-4165-40F6-B1DE4957052C}"/>
+          <p:cNvPr id="5" name="그림 4">
+            <a:extLst>
+              <a:ext uri="{FF2B5EF4-FFF2-40B4-BE49-F238E27FC236}">
+                <a16:creationId xmlns:a16="http://schemas.microsoft.com/office/drawing/2014/main" id="{B9562ADE-2F53-5F24-837B-12BABFCF83DC}"/>
               </a:ext>
             </a:extLst>
           </p:cNvPr>
@@ -3843,7 +3341,7 @@
           <p:nvPr/>
         </p:nvPicPr>
         <p:blipFill>
-          <a:blip r:embed="rId3">
+          <a:blip r:embed="rId2">
             <a:extLst>
               <a:ext uri="{28A0092B-C50C-407E-A947-70E740481C1C}">
                 <a14:useLocalDpi xmlns:a14="http://schemas.microsoft.com/office/drawing/2010/main" val="0"/>
@@ -3856,836 +3354,425 @@
         </p:blipFill>
         <p:spPr>
           <a:xfrm>
-            <a:off x="418210" y="1377142"/>
-            <a:ext cx="4918367" cy="3095789"/>
+            <a:off x="5100201" y="-1"/>
+            <a:ext cx="7091799" cy="2026228"/>
           </a:xfrm>
           <a:prstGeom prst="rect">
             <a:avLst/>
           </a:prstGeom>
-          <a:ln w="25400">
-            <a:solidFill>
-              <a:schemeClr val="accent1"/>
-            </a:solidFill>
-          </a:ln>
         </p:spPr>
       </p:pic>
       <p:sp>
         <p:nvSpPr>
-          <p:cNvPr id="6" name="직사각형 5">
-            <a:extLst>
-              <a:ext uri="{FF2B5EF4-FFF2-40B4-BE49-F238E27FC236}">
-                <a16:creationId xmlns:a16="http://schemas.microsoft.com/office/drawing/2014/main" id="{1E080387-D0FB-B437-8DA7-EFFCFC102002}"/>
-              </a:ext>
-            </a:extLst>
-          </p:cNvPr>
-          <p:cNvSpPr/>
-          <p:nvPr/>
+          <p:cNvPr id="2" name="제목 1">
+            <a:extLst>
+              <a:ext uri="{FF2B5EF4-FFF2-40B4-BE49-F238E27FC236}">
+                <a16:creationId xmlns:a16="http://schemas.microsoft.com/office/drawing/2014/main" id="{9F624A1A-97FC-DED7-22F5-4BB6C12103EA}"/>
+              </a:ext>
+            </a:extLst>
+          </p:cNvPr>
+          <p:cNvSpPr>
+            <a:spLocks noGrp="1"/>
+          </p:cNvSpPr>
+          <p:nvPr>
+            <p:ph type="title"/>
+          </p:nvPr>
         </p:nvSpPr>
         <p:spPr>
           <a:xfrm>
-            <a:off x="0" y="3048000"/>
-            <a:ext cx="2735060" cy="3142488"/>
+            <a:off x="838200" y="365125"/>
+            <a:ext cx="9189027" cy="736311"/>
           </a:xfrm>
-          <a:prstGeom prst="rect">
-            <a:avLst/>
-          </a:prstGeom>
-          <a:noFill/>
-          <a:ln w="38100">
-            <a:solidFill>
-              <a:srgbClr val="FF0000"/>
-            </a:solidFill>
-          </a:ln>
         </p:spPr>
-        <p:style>
-          <a:lnRef idx="2">
-            <a:schemeClr val="accent1">
-              <a:shade val="50000"/>
-            </a:schemeClr>
-          </a:lnRef>
-          <a:fillRef idx="1">
-            <a:schemeClr val="accent1"/>
-          </a:fillRef>
-          <a:effectRef idx="0">
-            <a:schemeClr val="accent1"/>
-          </a:effectRef>
-          <a:fontRef idx="minor">
-            <a:schemeClr val="lt1"/>
-          </a:fontRef>
-        </p:style>
-        <p:txBody>
-          <a:bodyPr rtlCol="0" anchor="ctr"/>
-          <a:lstStyle/>
-          <a:p>
-            <a:pPr algn="ctr"/>
-            <a:endParaRPr lang="ko-KR" altLang="en-US"/>
+        <p:txBody>
+          <a:bodyPr/>
+          <a:lstStyle/>
+          <a:p>
+            <a:r>
+              <a:rPr lang="en-US" altLang="ko-KR" dirty="0" err="1"/>
+              <a:t>Kochat</a:t>
+            </a:r>
+            <a:endParaRPr lang="ko-KR" altLang="en-US" dirty="0"/>
+          </a:p>
+        </p:txBody>
+      </p:sp>
+      <p:sp>
+        <p:nvSpPr>
+          <p:cNvPr id="3" name="내용 개체 틀 2">
+            <a:extLst>
+              <a:ext uri="{FF2B5EF4-FFF2-40B4-BE49-F238E27FC236}">
+                <a16:creationId xmlns:a16="http://schemas.microsoft.com/office/drawing/2014/main" id="{489B7697-A252-67CB-CBA2-FE836EA60329}"/>
+              </a:ext>
+            </a:extLst>
+          </p:cNvPr>
+          <p:cNvSpPr>
+            <a:spLocks noGrp="1"/>
+          </p:cNvSpPr>
+          <p:nvPr>
+            <p:ph idx="1"/>
+          </p:nvPr>
+        </p:nvSpPr>
+        <p:spPr>
+          <a:xfrm>
+            <a:off x="838200" y="1101436"/>
+            <a:ext cx="10515600" cy="5075527"/>
+          </a:xfrm>
+        </p:spPr>
+        <p:txBody>
+          <a:bodyPr/>
+          <a:lstStyle/>
+          <a:p>
+            <a:endParaRPr lang="en-US" altLang="ko-KR" sz="2000" b="1" kern="100" dirty="0">
+              <a:solidFill>
+                <a:schemeClr val="accent1">
+                  <a:lumMod val="75000"/>
+                </a:schemeClr>
+              </a:solidFill>
+              <a:ea typeface="나눔스퀘어" panose="020B0600000101010101" pitchFamily="50" charset="-127"/>
+              <a:cs typeface="Times New Roman" panose="02020603050405020304" pitchFamily="18" charset="0"/>
+            </a:endParaRPr>
+          </a:p>
+          <a:p>
+            <a:r>
+              <a:rPr lang="en-US" altLang="ko-KR" sz="2000" b="1" kern="100" dirty="0" err="1">
+                <a:solidFill>
+                  <a:schemeClr val="accent1">
+                    <a:lumMod val="75000"/>
+                  </a:schemeClr>
+                </a:solidFill>
+                <a:ea typeface="나눔스퀘어" panose="020B0600000101010101" pitchFamily="50" charset="-127"/>
+                <a:cs typeface="Times New Roman" panose="02020603050405020304" pitchFamily="18" charset="0"/>
+              </a:rPr>
+              <a:t>Kochat</a:t>
+            </a:r>
+            <a:r>
+              <a:rPr lang="ko-KR" altLang="en-US" sz="2000" b="1" kern="100" dirty="0">
+                <a:solidFill>
+                  <a:schemeClr val="accent1">
+                    <a:lumMod val="75000"/>
+                  </a:schemeClr>
+                </a:solidFill>
+                <a:ea typeface="나눔스퀘어" panose="020B0600000101010101" pitchFamily="50" charset="-127"/>
+                <a:cs typeface="Times New Roman" panose="02020603050405020304" pitchFamily="18" charset="0"/>
+              </a:rPr>
+              <a:t>은</a:t>
+            </a:r>
+            <a:r>
+              <a:rPr lang="en-US" altLang="ko-KR" sz="2000" b="1" kern="100" dirty="0">
+                <a:solidFill>
+                  <a:schemeClr val="accent1">
+                    <a:lumMod val="75000"/>
+                  </a:schemeClr>
+                </a:solidFill>
+                <a:ea typeface="나눔스퀘어" panose="020B0600000101010101" pitchFamily="50" charset="-127"/>
+                <a:cs typeface="Times New Roman" panose="02020603050405020304" pitchFamily="18" charset="0"/>
+              </a:rPr>
+              <a:t>?</a:t>
+            </a:r>
+          </a:p>
+          <a:p>
+            <a:pPr marL="0" indent="0">
+              <a:buNone/>
+            </a:pPr>
+            <a:r>
+              <a:rPr lang="ko-KR" altLang="en-US" sz="1600" kern="100" dirty="0">
+                <a:ea typeface="나눔스퀘어라운드 Regular" panose="020B0600000101010101" pitchFamily="50" charset="-127"/>
+                <a:cs typeface="Times New Roman" panose="02020603050405020304" pitchFamily="18" charset="0"/>
+              </a:rPr>
+              <a:t>한국어 전용 목적 지향 </a:t>
+            </a:r>
+            <a:r>
+              <a:rPr lang="ko-KR" altLang="en-US" sz="1600" kern="100" dirty="0" err="1">
+                <a:ea typeface="나눔스퀘어라운드 Regular" panose="020B0600000101010101" pitchFamily="50" charset="-127"/>
+                <a:cs typeface="Times New Roman" panose="02020603050405020304" pitchFamily="18" charset="0"/>
+              </a:rPr>
+              <a:t>챗봇</a:t>
+            </a:r>
+            <a:r>
+              <a:rPr lang="ko-KR" altLang="en-US" sz="1600" kern="100" dirty="0">
+                <a:ea typeface="나눔스퀘어라운드 Regular" panose="020B0600000101010101" pitchFamily="50" charset="-127"/>
+                <a:cs typeface="Times New Roman" panose="02020603050405020304" pitchFamily="18" charset="0"/>
+              </a:rPr>
+              <a:t> 프레임워크이다</a:t>
+            </a:r>
+            <a:r>
+              <a:rPr lang="en-US" altLang="ko-KR" sz="1600" kern="100" dirty="0">
+                <a:ea typeface="나눔스퀘어라운드 Regular" panose="020B0600000101010101" pitchFamily="50" charset="-127"/>
+                <a:cs typeface="Times New Roman" panose="02020603050405020304" pitchFamily="18" charset="0"/>
+              </a:rPr>
+              <a:t>.</a:t>
+            </a:r>
+          </a:p>
+          <a:p>
+            <a:pPr marL="0" indent="0">
+              <a:buNone/>
+            </a:pPr>
+            <a:r>
+              <a:rPr lang="ko-KR" altLang="en-US" sz="1600" kern="100" dirty="0">
+                <a:ea typeface="나눔스퀘어라운드 Regular" panose="020B0600000101010101" pitchFamily="50" charset="-127"/>
+                <a:cs typeface="Times New Roman" panose="02020603050405020304" pitchFamily="18" charset="0"/>
+              </a:rPr>
+              <a:t>한국어를 </a:t>
+            </a:r>
+            <a:r>
+              <a:rPr lang="ko-KR" altLang="en-US" sz="1600" kern="100" dirty="0" err="1">
+                <a:ea typeface="나눔스퀘어라운드 Regular" panose="020B0600000101010101" pitchFamily="50" charset="-127"/>
+                <a:cs typeface="Times New Roman" panose="02020603050405020304" pitchFamily="18" charset="0"/>
+              </a:rPr>
+              <a:t>입력받으면</a:t>
+            </a:r>
+            <a:r>
+              <a:rPr lang="ko-KR" altLang="en-US" sz="1600" kern="100" dirty="0">
+                <a:ea typeface="나눔스퀘어라운드 Regular" panose="020B0600000101010101" pitchFamily="50" charset="-127"/>
+                <a:cs typeface="Times New Roman" panose="02020603050405020304" pitchFamily="18" charset="0"/>
+              </a:rPr>
+              <a:t> </a:t>
+            </a:r>
+            <a:r>
+              <a:rPr lang="en-US" altLang="ko-KR" sz="1600" kern="100" dirty="0" err="1">
+                <a:ea typeface="나눔스퀘어라운드 Regular" panose="020B0600000101010101" pitchFamily="50" charset="-127"/>
+                <a:cs typeface="Times New Roman" panose="02020603050405020304" pitchFamily="18" charset="0"/>
+              </a:rPr>
+              <a:t>Kochat</a:t>
+            </a:r>
+            <a:r>
+              <a:rPr lang="ko-KR" altLang="en-US" sz="1600" kern="100" dirty="0">
+                <a:ea typeface="나눔스퀘어라운드 Regular" panose="020B0600000101010101" pitchFamily="50" charset="-127"/>
+                <a:cs typeface="Times New Roman" panose="02020603050405020304" pitchFamily="18" charset="0"/>
+              </a:rPr>
+              <a:t>에서 문장을 분석한 후에 사용자가 원하는 정보를 찾아 보여준다</a:t>
+            </a:r>
+            <a:r>
+              <a:rPr lang="en-US" altLang="ko-KR" sz="1600" kern="100" dirty="0">
+                <a:ea typeface="나눔스퀘어라운드 Regular" panose="020B0600000101010101" pitchFamily="50" charset="-127"/>
+                <a:cs typeface="Times New Roman" panose="02020603050405020304" pitchFamily="18" charset="0"/>
+              </a:rPr>
+              <a:t>.</a:t>
+            </a:r>
+          </a:p>
+          <a:p>
+            <a:endParaRPr lang="en-US" altLang="ko-KR" sz="1600" kern="100" dirty="0">
+              <a:ea typeface="나눔스퀘어라운드 Regular" panose="020B0600000101010101" pitchFamily="50" charset="-127"/>
+              <a:cs typeface="Times New Roman" panose="02020603050405020304" pitchFamily="18" charset="0"/>
+            </a:endParaRPr>
+          </a:p>
+          <a:p>
+            <a:r>
+              <a:rPr lang="en-US" altLang="ko-KR" sz="2000" b="1" kern="100" dirty="0" err="1">
+                <a:solidFill>
+                  <a:schemeClr val="accent1">
+                    <a:lumMod val="75000"/>
+                  </a:schemeClr>
+                </a:solidFill>
+                <a:ea typeface="나눔스퀘어" panose="020B0600000101010101" pitchFamily="50" charset="-127"/>
+                <a:cs typeface="Times New Roman" panose="02020603050405020304" pitchFamily="18" charset="0"/>
+              </a:rPr>
+              <a:t>Kochat</a:t>
+            </a:r>
+            <a:r>
+              <a:rPr lang="en-US" altLang="ko-KR" sz="2000" b="1" kern="100" dirty="0">
+                <a:solidFill>
+                  <a:schemeClr val="accent1">
+                    <a:lumMod val="75000"/>
+                  </a:schemeClr>
+                </a:solidFill>
+                <a:ea typeface="나눔스퀘어" panose="020B0600000101010101" pitchFamily="50" charset="-127"/>
+                <a:cs typeface="Times New Roman" panose="02020603050405020304" pitchFamily="18" charset="0"/>
+              </a:rPr>
+              <a:t> </a:t>
+            </a:r>
+            <a:r>
+              <a:rPr lang="ko-KR" altLang="en-US" sz="2000" b="1" kern="100" dirty="0">
+                <a:solidFill>
+                  <a:schemeClr val="accent1">
+                    <a:lumMod val="75000"/>
+                  </a:schemeClr>
+                </a:solidFill>
+                <a:ea typeface="나눔스퀘어" panose="020B0600000101010101" pitchFamily="50" charset="-127"/>
+                <a:cs typeface="Times New Roman" panose="02020603050405020304" pitchFamily="18" charset="0"/>
+              </a:rPr>
+              <a:t>선정 이유</a:t>
+            </a:r>
+            <a:endParaRPr lang="en-US" altLang="ko-KR" sz="2000" b="1" kern="100" dirty="0">
+              <a:solidFill>
+                <a:schemeClr val="accent1">
+                  <a:lumMod val="75000"/>
+                </a:schemeClr>
+              </a:solidFill>
+              <a:ea typeface="나눔스퀘어" panose="020B0600000101010101" pitchFamily="50" charset="-127"/>
+              <a:cs typeface="Times New Roman" panose="02020603050405020304" pitchFamily="18" charset="0"/>
+            </a:endParaRPr>
+          </a:p>
+          <a:p>
+            <a:pPr marL="0" indent="0">
+              <a:buNone/>
+            </a:pPr>
+            <a:r>
+              <a:rPr lang="ko-KR" altLang="en-US" sz="1600" kern="100" dirty="0" err="1">
+                <a:ea typeface="나눔스퀘어라운드 Regular" panose="020B0600000101010101" pitchFamily="50" charset="-127"/>
+                <a:cs typeface="Times New Roman" panose="02020603050405020304" pitchFamily="18" charset="0"/>
+              </a:rPr>
+              <a:t>챗봇을</a:t>
+            </a:r>
+            <a:r>
+              <a:rPr lang="ko-KR" altLang="en-US" sz="1600" kern="100" dirty="0">
+                <a:ea typeface="나눔스퀘어라운드 Regular" panose="020B0600000101010101" pitchFamily="50" charset="-127"/>
+                <a:cs typeface="Times New Roman" panose="02020603050405020304" pitchFamily="18" charset="0"/>
+              </a:rPr>
+              <a:t> 무료로 개발하기 위해서는 오픈소스 프레임워크를 사용해야 한다</a:t>
+            </a:r>
+            <a:r>
+              <a:rPr lang="en-US" altLang="ko-KR" sz="1600" kern="100" dirty="0">
+                <a:ea typeface="나눔스퀘어라운드 Regular" panose="020B0600000101010101" pitchFamily="50" charset="-127"/>
+                <a:cs typeface="Times New Roman" panose="02020603050405020304" pitchFamily="18" charset="0"/>
+              </a:rPr>
+              <a:t>.</a:t>
+            </a:r>
+          </a:p>
+          <a:p>
+            <a:pPr marL="0" indent="0">
+              <a:buNone/>
+            </a:pPr>
+            <a:r>
+              <a:rPr lang="ko-KR" altLang="en-US" sz="1600" kern="100" dirty="0">
+                <a:ea typeface="나눔스퀘어라운드 Regular" panose="020B0600000101010101" pitchFamily="50" charset="-127"/>
+                <a:cs typeface="Times New Roman" panose="02020603050405020304" pitchFamily="18" charset="0"/>
+              </a:rPr>
+              <a:t>그러나 대부분의 </a:t>
+            </a:r>
+            <a:r>
+              <a:rPr lang="ko-KR" altLang="en-US" sz="1600" kern="100" dirty="0" err="1">
+                <a:ea typeface="나눔스퀘어라운드 Regular" panose="020B0600000101010101" pitchFamily="50" charset="-127"/>
+                <a:cs typeface="Times New Roman" panose="02020603050405020304" pitchFamily="18" charset="0"/>
+              </a:rPr>
+              <a:t>챗봇</a:t>
+            </a:r>
+            <a:r>
+              <a:rPr lang="ko-KR" altLang="en-US" sz="1600" kern="100" dirty="0">
+                <a:ea typeface="나눔스퀘어라운드 Regular" panose="020B0600000101010101" pitchFamily="50" charset="-127"/>
+                <a:cs typeface="Times New Roman" panose="02020603050405020304" pitchFamily="18" charset="0"/>
+              </a:rPr>
+              <a:t> 오픈소스는 한국어를 지원하지 않기 때문에 한국어를 처리하기 위해서는 따로 복잡한 과정을 거쳐야한다</a:t>
+            </a:r>
+            <a:r>
+              <a:rPr lang="en-US" altLang="ko-KR" sz="1600" kern="100" dirty="0">
+                <a:ea typeface="나눔스퀘어라운드 Regular" panose="020B0600000101010101" pitchFamily="50" charset="-127"/>
+                <a:cs typeface="Times New Roman" panose="02020603050405020304" pitchFamily="18" charset="0"/>
+              </a:rPr>
+              <a:t>. </a:t>
+            </a:r>
+            <a:r>
+              <a:rPr lang="ko-KR" altLang="en-US" sz="1600" kern="100" dirty="0">
+                <a:ea typeface="나눔스퀘어라운드 Regular" panose="020B0600000101010101" pitchFamily="50" charset="-127"/>
+                <a:cs typeface="Times New Roman" panose="02020603050405020304" pitchFamily="18" charset="0"/>
+              </a:rPr>
+              <a:t>따라서 한국어 전용 </a:t>
+            </a:r>
+            <a:r>
+              <a:rPr lang="ko-KR" altLang="en-US" sz="1600" kern="100" dirty="0" err="1">
+                <a:ea typeface="나눔스퀘어라운드 Regular" panose="020B0600000101010101" pitchFamily="50" charset="-127"/>
+                <a:cs typeface="Times New Roman" panose="02020603050405020304" pitchFamily="18" charset="0"/>
+              </a:rPr>
+              <a:t>챗봇</a:t>
+            </a:r>
+            <a:r>
+              <a:rPr lang="ko-KR" altLang="en-US" sz="1600" kern="100" dirty="0">
+                <a:ea typeface="나눔스퀘어라운드 Regular" panose="020B0600000101010101" pitchFamily="50" charset="-127"/>
+                <a:cs typeface="Times New Roman" panose="02020603050405020304" pitchFamily="18" charset="0"/>
+              </a:rPr>
+              <a:t> 프레임워크를 제공하는 </a:t>
+            </a:r>
+            <a:r>
+              <a:rPr lang="en-US" altLang="ko-KR" sz="1600" kern="100" dirty="0" err="1">
+                <a:ea typeface="나눔스퀘어라운드 Regular" panose="020B0600000101010101" pitchFamily="50" charset="-127"/>
+                <a:cs typeface="Times New Roman" panose="02020603050405020304" pitchFamily="18" charset="0"/>
+              </a:rPr>
+              <a:t>Kochat</a:t>
+            </a:r>
+            <a:r>
+              <a:rPr lang="ko-KR" altLang="en-US" sz="1600" kern="100" dirty="0">
+                <a:ea typeface="나눔스퀘어라운드 Regular" panose="020B0600000101010101" pitchFamily="50" charset="-127"/>
+                <a:cs typeface="Times New Roman" panose="02020603050405020304" pitchFamily="18" charset="0"/>
+              </a:rPr>
+              <a:t>을 선택하게 되었다</a:t>
+            </a:r>
+            <a:r>
+              <a:rPr lang="en-US" altLang="ko-KR" sz="1600" kern="100" dirty="0">
+                <a:ea typeface="나눔스퀘어라운드 Regular" panose="020B0600000101010101" pitchFamily="50" charset="-127"/>
+                <a:cs typeface="Times New Roman" panose="02020603050405020304" pitchFamily="18" charset="0"/>
+              </a:rPr>
+              <a:t>.</a:t>
+            </a:r>
+          </a:p>
+          <a:p>
+            <a:pPr marL="0" indent="0">
+              <a:buNone/>
+            </a:pPr>
+            <a:endParaRPr lang="en-US" altLang="ko-KR" sz="2000" kern="100" dirty="0">
+              <a:ea typeface="나눔스퀘어라운드 Regular" panose="020B0600000101010101" pitchFamily="50" charset="-127"/>
+              <a:cs typeface="Times New Roman" panose="02020603050405020304" pitchFamily="18" charset="0"/>
+            </a:endParaRPr>
+          </a:p>
+          <a:p>
+            <a:r>
+              <a:rPr lang="en-US" altLang="ko-KR" sz="2000" b="1" kern="100" dirty="0" err="1">
+                <a:solidFill>
+                  <a:schemeClr val="accent1">
+                    <a:lumMod val="75000"/>
+                  </a:schemeClr>
+                </a:solidFill>
+                <a:ea typeface="나눔스퀘어" panose="020B0600000101010101" pitchFamily="50" charset="-127"/>
+                <a:cs typeface="Times New Roman" panose="02020603050405020304" pitchFamily="18" charset="0"/>
+              </a:rPr>
+              <a:t>Kochat</a:t>
+            </a:r>
+            <a:r>
+              <a:rPr lang="ko-KR" altLang="en-US" sz="2000" b="1" kern="100" dirty="0">
+                <a:solidFill>
+                  <a:schemeClr val="accent1">
+                    <a:lumMod val="75000"/>
+                  </a:schemeClr>
+                </a:solidFill>
+                <a:ea typeface="나눔스퀘어" panose="020B0600000101010101" pitchFamily="50" charset="-127"/>
+                <a:cs typeface="Times New Roman" panose="02020603050405020304" pitchFamily="18" charset="0"/>
+              </a:rPr>
+              <a:t> 라이센스</a:t>
+            </a:r>
+            <a:endParaRPr lang="en-US" altLang="ko-KR" sz="2000" b="1" kern="100" dirty="0">
+              <a:solidFill>
+                <a:schemeClr val="accent1">
+                  <a:lumMod val="75000"/>
+                </a:schemeClr>
+              </a:solidFill>
+              <a:ea typeface="나눔스퀘어" panose="020B0600000101010101" pitchFamily="50" charset="-127"/>
+              <a:cs typeface="Times New Roman" panose="02020603050405020304" pitchFamily="18" charset="0"/>
+            </a:endParaRPr>
+          </a:p>
+          <a:p>
+            <a:pPr marL="0" indent="0">
+              <a:buNone/>
+            </a:pPr>
+            <a:r>
+              <a:rPr lang="en-US" altLang="ko-KR" sz="2000" kern="100" dirty="0">
+                <a:ea typeface="나눔스퀘어라운드 Regular" panose="020B0600000101010101" pitchFamily="50" charset="-127"/>
+                <a:cs typeface="Times New Roman" panose="02020603050405020304" pitchFamily="18" charset="0"/>
+              </a:rPr>
+              <a:t> </a:t>
+            </a:r>
+            <a:r>
+              <a:rPr lang="en-US" altLang="ko-KR" sz="1600" kern="100" dirty="0">
+                <a:ea typeface="나눔스퀘어라운드 Regular" panose="020B0600000101010101" pitchFamily="50" charset="-127"/>
+                <a:cs typeface="Times New Roman" panose="02020603050405020304" pitchFamily="18" charset="0"/>
+              </a:rPr>
+              <a:t>Apache License 2.0</a:t>
+            </a:r>
           </a:p>
         </p:txBody>
       </p:sp>
     </p:spTree>
     <p:extLst>
       <p:ext uri="{BB962C8B-B14F-4D97-AF65-F5344CB8AC3E}">
-        <p14:creationId xmlns:p14="http://schemas.microsoft.com/office/powerpoint/2010/main" val="1928742795"/>
-      </p:ext>
-    </p:extLst>
-  </p:cSld>
-  <p:clrMapOvr>
-    <a:masterClrMapping/>
-  </p:clrMapOvr>
-  <p:timing>
-    <p:tnLst>
-      <p:par>
-        <p:cTn id="1" dur="indefinite" restart="never" nodeType="tmRoot">
-          <p:childTnLst>
-            <p:seq concurrent="1" nextAc="seek">
-              <p:cTn id="2" dur="indefinite" nodeType="mainSeq">
-                <p:childTnLst>
-                  <p:par>
-                    <p:cTn id="3" fill="hold">
-                      <p:stCondLst>
-                        <p:cond delay="indefinite"/>
-                      </p:stCondLst>
-                      <p:childTnLst>
-                        <p:par>
-                          <p:cTn id="4" fill="hold">
-                            <p:stCondLst>
-                              <p:cond delay="0"/>
-                            </p:stCondLst>
-                            <p:childTnLst>
-                              <p:par>
-                                <p:cTn id="5" presetID="1" presetClass="entr" presetSubtype="0" fill="hold" nodeType="clickEffect">
-                                  <p:stCondLst>
-                                    <p:cond delay="0"/>
-                                  </p:stCondLst>
-                                  <p:childTnLst>
-                                    <p:set>
-                                      <p:cBhvr>
-                                        <p:cTn id="6" dur="1" fill="hold">
-                                          <p:stCondLst>
-                                            <p:cond delay="0"/>
-                                          </p:stCondLst>
-                                        </p:cTn>
-                                        <p:tgtEl>
-                                          <p:spTgt spid="4">
-                                            <p:txEl>
-                                              <p:pRg st="0" end="0"/>
-                                            </p:txEl>
-                                          </p:spTgt>
-                                        </p:tgtEl>
-                                        <p:attrNameLst>
-                                          <p:attrName>style.visibility</p:attrName>
-                                        </p:attrNameLst>
-                                      </p:cBhvr>
-                                      <p:to>
-                                        <p:strVal val="visible"/>
-                                      </p:to>
-                                    </p:set>
-                                  </p:childTnLst>
-                                </p:cTn>
-                              </p:par>
-                              <p:par>
-                                <p:cTn id="7" presetID="1" presetClass="entr" presetSubtype="0" fill="hold" grpId="0" nodeType="withEffect">
-                                  <p:stCondLst>
-                                    <p:cond delay="0"/>
-                                  </p:stCondLst>
-                                  <p:childTnLst>
-                                    <p:set>
-                                      <p:cBhvr>
-                                        <p:cTn id="8" dur="1" fill="hold">
-                                          <p:stCondLst>
-                                            <p:cond delay="0"/>
-                                          </p:stCondLst>
-                                        </p:cTn>
-                                        <p:tgtEl>
-                                          <p:spTgt spid="6"/>
-                                        </p:tgtEl>
-                                        <p:attrNameLst>
-                                          <p:attrName>style.visibility</p:attrName>
-                                        </p:attrNameLst>
-                                      </p:cBhvr>
-                                      <p:to>
-                                        <p:strVal val="visible"/>
-                                      </p:to>
-                                    </p:set>
-                                  </p:childTnLst>
-                                </p:cTn>
-                              </p:par>
-                            </p:childTnLst>
-                          </p:cTn>
-                        </p:par>
-                      </p:childTnLst>
-                    </p:cTn>
-                  </p:par>
-                  <p:par>
-                    <p:cTn id="9" fill="hold">
-                      <p:stCondLst>
-                        <p:cond delay="indefinite"/>
-                      </p:stCondLst>
-                      <p:childTnLst>
-                        <p:par>
-                          <p:cTn id="10" fill="hold">
-                            <p:stCondLst>
-                              <p:cond delay="0"/>
-                            </p:stCondLst>
-                            <p:childTnLst>
-                              <p:par>
-                                <p:cTn id="11" presetID="1" presetClass="entr" presetSubtype="0" fill="hold" nodeType="clickEffect">
-                                  <p:stCondLst>
-                                    <p:cond delay="0"/>
-                                  </p:stCondLst>
-                                  <p:childTnLst>
-                                    <p:set>
-                                      <p:cBhvr>
-                                        <p:cTn id="12" dur="1" fill="hold">
-                                          <p:stCondLst>
-                                            <p:cond delay="0"/>
-                                          </p:stCondLst>
-                                        </p:cTn>
-                                        <p:tgtEl>
-                                          <p:spTgt spid="4">
-                                            <p:txEl>
-                                              <p:pRg st="1" end="1"/>
-                                            </p:txEl>
-                                          </p:spTgt>
-                                        </p:tgtEl>
-                                        <p:attrNameLst>
-                                          <p:attrName>style.visibility</p:attrName>
-                                        </p:attrNameLst>
-                                      </p:cBhvr>
-                                      <p:to>
-                                        <p:strVal val="visible"/>
-                                      </p:to>
-                                    </p:set>
-                                  </p:childTnLst>
-                                </p:cTn>
-                              </p:par>
-                              <p:par>
-                                <p:cTn id="13" presetID="42" presetClass="path" presetSubtype="0" accel="50000" decel="50000" fill="hold" grpId="1" nodeType="withEffect">
-                                  <p:stCondLst>
-                                    <p:cond delay="0"/>
-                                  </p:stCondLst>
-                                  <p:childTnLst>
-                                    <p:animMotion origin="layout" path="M 6.25E-7 -1.11111E-6 L 0.01588 -0.29514 " pathEditMode="relative" rAng="0" ptsTypes="AA">
-                                      <p:cBhvr>
-                                        <p:cTn id="14" dur="2000" fill="hold"/>
-                                        <p:tgtEl>
-                                          <p:spTgt spid="6"/>
-                                        </p:tgtEl>
-                                        <p:attrNameLst>
-                                          <p:attrName>ppt_x</p:attrName>
-                                          <p:attrName>ppt_y</p:attrName>
-                                        </p:attrNameLst>
-                                      </p:cBhvr>
-                                      <p:rCtr x="794" y="-14769"/>
-                                    </p:animMotion>
-                                  </p:childTnLst>
-                                </p:cTn>
-                              </p:par>
-                            </p:childTnLst>
-                          </p:cTn>
-                        </p:par>
-                      </p:childTnLst>
-                    </p:cTn>
-                  </p:par>
-                  <p:par>
-                    <p:cTn id="15" fill="hold">
-                      <p:stCondLst>
-                        <p:cond delay="indefinite"/>
-                      </p:stCondLst>
-                      <p:childTnLst>
-                        <p:par>
-                          <p:cTn id="16" fill="hold">
-                            <p:stCondLst>
-                              <p:cond delay="0"/>
-                            </p:stCondLst>
-                            <p:childTnLst>
-                              <p:par>
-                                <p:cTn id="17" presetID="1" presetClass="entr" presetSubtype="0" fill="hold" nodeType="clickEffect">
-                                  <p:stCondLst>
-                                    <p:cond delay="0"/>
-                                  </p:stCondLst>
-                                  <p:childTnLst>
-                                    <p:set>
-                                      <p:cBhvr>
-                                        <p:cTn id="18" dur="1" fill="hold">
-                                          <p:stCondLst>
-                                            <p:cond delay="0"/>
-                                          </p:stCondLst>
-                                        </p:cTn>
-                                        <p:tgtEl>
-                                          <p:spTgt spid="4">
-                                            <p:txEl>
-                                              <p:pRg st="2" end="2"/>
-                                            </p:txEl>
-                                          </p:spTgt>
-                                        </p:tgtEl>
-                                        <p:attrNameLst>
-                                          <p:attrName>style.visibility</p:attrName>
-                                        </p:attrNameLst>
-                                      </p:cBhvr>
-                                      <p:to>
-                                        <p:strVal val="visible"/>
-                                      </p:to>
-                                    </p:set>
-                                  </p:childTnLst>
-                                </p:cTn>
-                              </p:par>
-                              <p:par>
-                                <p:cTn id="19" presetID="42" presetClass="path" presetSubtype="0" accel="50000" decel="50000" fill="hold" grpId="2" nodeType="withEffect">
-                                  <p:stCondLst>
-                                    <p:cond delay="0"/>
-                                  </p:stCondLst>
-                                  <p:childTnLst>
-                                    <p:animMotion origin="layout" path="M 0.01589 -0.29513 L 0.24167 -0.28171 " pathEditMode="relative" rAng="0" ptsTypes="AA">
-                                      <p:cBhvr>
-                                        <p:cTn id="20" dur="2000" fill="hold"/>
-                                        <p:tgtEl>
-                                          <p:spTgt spid="6"/>
-                                        </p:tgtEl>
-                                        <p:attrNameLst>
-                                          <p:attrName>ppt_x</p:attrName>
-                                          <p:attrName>ppt_y</p:attrName>
-                                        </p:attrNameLst>
-                                      </p:cBhvr>
-                                      <p:rCtr x="11211" y="556"/>
-                                    </p:animMotion>
-                                  </p:childTnLst>
-                                </p:cTn>
-                              </p:par>
-                            </p:childTnLst>
-                          </p:cTn>
-                        </p:par>
-                      </p:childTnLst>
-                    </p:cTn>
-                  </p:par>
-                  <p:par>
-                    <p:cTn id="21" fill="hold">
-                      <p:stCondLst>
-                        <p:cond delay="indefinite"/>
-                      </p:stCondLst>
-                      <p:childTnLst>
-                        <p:par>
-                          <p:cTn id="22" fill="hold">
-                            <p:stCondLst>
-                              <p:cond delay="0"/>
-                            </p:stCondLst>
-                            <p:childTnLst>
-                              <p:par>
-                                <p:cTn id="23" presetID="1" presetClass="exit" presetSubtype="0" fill="hold" grpId="0" nodeType="clickEffect">
-                                  <p:stCondLst>
-                                    <p:cond delay="0"/>
-                                  </p:stCondLst>
-                                  <p:childTnLst>
-                                    <p:set>
-                                      <p:cBhvr>
-                                        <p:cTn id="24" dur="1" fill="hold">
-                                          <p:stCondLst>
-                                            <p:cond delay="0"/>
-                                          </p:stCondLst>
-                                        </p:cTn>
-                                        <p:tgtEl>
-                                          <p:spTgt spid="4">
-                                            <p:txEl>
-                                              <p:pRg st="0" end="0"/>
-                                            </p:txEl>
-                                          </p:spTgt>
-                                        </p:tgtEl>
-                                        <p:attrNameLst>
-                                          <p:attrName>style.visibility</p:attrName>
-                                        </p:attrNameLst>
-                                      </p:cBhvr>
-                                      <p:to>
-                                        <p:strVal val="hidden"/>
-                                      </p:to>
-                                    </p:set>
-                                  </p:childTnLst>
-                                </p:cTn>
-                              </p:par>
-                              <p:par>
-                                <p:cTn id="25" presetID="1" presetClass="exit" presetSubtype="0" fill="hold" grpId="0" nodeType="withEffect">
-                                  <p:stCondLst>
-                                    <p:cond delay="0"/>
-                                  </p:stCondLst>
-                                  <p:childTnLst>
-                                    <p:set>
-                                      <p:cBhvr>
-                                        <p:cTn id="26" dur="1" fill="hold">
-                                          <p:stCondLst>
-                                            <p:cond delay="0"/>
-                                          </p:stCondLst>
-                                        </p:cTn>
-                                        <p:tgtEl>
-                                          <p:spTgt spid="4">
-                                            <p:txEl>
-                                              <p:pRg st="1" end="1"/>
-                                            </p:txEl>
-                                          </p:spTgt>
-                                        </p:tgtEl>
-                                        <p:attrNameLst>
-                                          <p:attrName>style.visibility</p:attrName>
-                                        </p:attrNameLst>
-                                      </p:cBhvr>
-                                      <p:to>
-                                        <p:strVal val="hidden"/>
-                                      </p:to>
-                                    </p:set>
-                                  </p:childTnLst>
-                                </p:cTn>
-                              </p:par>
-                              <p:par>
-                                <p:cTn id="27" presetID="1" presetClass="exit" presetSubtype="0" fill="hold" grpId="0" nodeType="withEffect">
-                                  <p:stCondLst>
-                                    <p:cond delay="0"/>
-                                  </p:stCondLst>
-                                  <p:childTnLst>
-                                    <p:set>
-                                      <p:cBhvr>
-                                        <p:cTn id="28" dur="1" fill="hold">
-                                          <p:stCondLst>
-                                            <p:cond delay="0"/>
-                                          </p:stCondLst>
-                                        </p:cTn>
-                                        <p:tgtEl>
-                                          <p:spTgt spid="4">
-                                            <p:txEl>
-                                              <p:pRg st="2" end="2"/>
-                                            </p:txEl>
-                                          </p:spTgt>
-                                        </p:tgtEl>
-                                        <p:attrNameLst>
-                                          <p:attrName>style.visibility</p:attrName>
-                                        </p:attrNameLst>
-                                      </p:cBhvr>
-                                      <p:to>
-                                        <p:strVal val="hidden"/>
-                                      </p:to>
-                                    </p:set>
-                                  </p:childTnLst>
-                                </p:cTn>
-                              </p:par>
-                              <p:par>
-                                <p:cTn id="29" presetID="1" presetClass="entr" presetSubtype="0" fill="hold" nodeType="withEffect">
-                                  <p:stCondLst>
-                                    <p:cond delay="0"/>
-                                  </p:stCondLst>
-                                  <p:childTnLst>
-                                    <p:set>
-                                      <p:cBhvr>
-                                        <p:cTn id="30" dur="1" fill="hold">
-                                          <p:stCondLst>
-                                            <p:cond delay="0"/>
-                                          </p:stCondLst>
-                                        </p:cTn>
-                                        <p:tgtEl>
-                                          <p:spTgt spid="10">
-                                            <p:txEl>
-                                              <p:pRg st="0" end="0"/>
-                                            </p:txEl>
-                                          </p:spTgt>
-                                        </p:tgtEl>
-                                        <p:attrNameLst>
-                                          <p:attrName>style.visibility</p:attrName>
-                                        </p:attrNameLst>
-                                      </p:cBhvr>
-                                      <p:to>
-                                        <p:strVal val="visible"/>
-                                      </p:to>
-                                    </p:set>
-                                  </p:childTnLst>
-                                </p:cTn>
-                              </p:par>
-                              <p:par>
-                                <p:cTn id="31" presetID="42" presetClass="path" presetSubtype="0" accel="50000" decel="50000" fill="hold" grpId="3" nodeType="withEffect">
-                                  <p:stCondLst>
-                                    <p:cond delay="0"/>
-                                  </p:stCondLst>
-                                  <p:childTnLst>
-                                    <p:animMotion origin="layout" path="M 0.24167 -0.28171 L 0.38789 0.01991 " pathEditMode="relative" rAng="0" ptsTypes="AA">
-                                      <p:cBhvr>
-                                        <p:cTn id="32" dur="2000" fill="hold"/>
-                                        <p:tgtEl>
-                                          <p:spTgt spid="6"/>
-                                        </p:tgtEl>
-                                        <p:attrNameLst>
-                                          <p:attrName>ppt_x</p:attrName>
-                                          <p:attrName>ppt_y</p:attrName>
-                                        </p:attrNameLst>
-                                      </p:cBhvr>
-                                      <p:rCtr x="7227" y="14537"/>
-                                    </p:animMotion>
-                                  </p:childTnLst>
-                                </p:cTn>
-                              </p:par>
-                            </p:childTnLst>
-                          </p:cTn>
-                        </p:par>
-                      </p:childTnLst>
-                    </p:cTn>
-                  </p:par>
-                  <p:par>
-                    <p:cTn id="33" fill="hold">
-                      <p:stCondLst>
-                        <p:cond delay="indefinite"/>
-                      </p:stCondLst>
-                      <p:childTnLst>
-                        <p:par>
-                          <p:cTn id="34" fill="hold">
-                            <p:stCondLst>
-                              <p:cond delay="0"/>
-                            </p:stCondLst>
-                            <p:childTnLst>
-                              <p:par>
-                                <p:cTn id="35" presetID="1" presetClass="entr" presetSubtype="0" fill="hold" nodeType="clickEffect">
-                                  <p:stCondLst>
-                                    <p:cond delay="0"/>
-                                  </p:stCondLst>
-                                  <p:childTnLst>
-                                    <p:set>
-                                      <p:cBhvr>
-                                        <p:cTn id="36" dur="1" fill="hold">
-                                          <p:stCondLst>
-                                            <p:cond delay="0"/>
-                                          </p:stCondLst>
-                                        </p:cTn>
-                                        <p:tgtEl>
-                                          <p:spTgt spid="10">
-                                            <p:txEl>
-                                              <p:pRg st="2" end="2"/>
-                                            </p:txEl>
-                                          </p:spTgt>
-                                        </p:tgtEl>
-                                        <p:attrNameLst>
-                                          <p:attrName>style.visibility</p:attrName>
-                                        </p:attrNameLst>
-                                      </p:cBhvr>
-                                      <p:to>
-                                        <p:strVal val="visible"/>
-                                      </p:to>
-                                    </p:set>
-                                  </p:childTnLst>
-                                </p:cTn>
-                              </p:par>
-                              <p:par>
-                                <p:cTn id="37" presetID="1" presetClass="entr" presetSubtype="0" fill="hold" nodeType="withEffect">
-                                  <p:stCondLst>
-                                    <p:cond delay="0"/>
-                                  </p:stCondLst>
-                                  <p:childTnLst>
-                                    <p:set>
-                                      <p:cBhvr>
-                                        <p:cTn id="38" dur="1" fill="hold">
-                                          <p:stCondLst>
-                                            <p:cond delay="0"/>
-                                          </p:stCondLst>
-                                        </p:cTn>
-                                        <p:tgtEl>
-                                          <p:spTgt spid="12"/>
-                                        </p:tgtEl>
-                                        <p:attrNameLst>
-                                          <p:attrName>style.visibility</p:attrName>
-                                        </p:attrNameLst>
-                                      </p:cBhvr>
-                                      <p:to>
-                                        <p:strVal val="visible"/>
-                                      </p:to>
-                                    </p:set>
-                                  </p:childTnLst>
-                                </p:cTn>
-                              </p:par>
-                            </p:childTnLst>
-                          </p:cTn>
-                        </p:par>
-                      </p:childTnLst>
-                    </p:cTn>
-                  </p:par>
-                </p:childTnLst>
-              </p:cTn>
-              <p:prevCondLst>
-                <p:cond evt="onPrev" delay="0">
-                  <p:tgtEl>
-                    <p:sldTgt/>
-                  </p:tgtEl>
-                </p:cond>
-              </p:prevCondLst>
-              <p:nextCondLst>
-                <p:cond evt="onNext" delay="0">
-                  <p:tgtEl>
-                    <p:sldTgt/>
-                  </p:tgtEl>
-                </p:cond>
-              </p:nextCondLst>
-            </p:seq>
-          </p:childTnLst>
-        </p:cTn>
-      </p:par>
-    </p:tnLst>
-    <p:bldLst>
-      <p:bldP spid="4" grpId="0" uiExpand="1" build="p"/>
-      <p:bldP spid="6" grpId="0" animBg="1"/>
-      <p:bldP spid="6" grpId="1" animBg="1"/>
-      <p:bldP spid="6" grpId="2" animBg="1"/>
-      <p:bldP spid="6" grpId="3" animBg="1"/>
-    </p:bldLst>
-  </p:timing>
-</p:sld>
-</file>
-
-<file path=ppt/slides/slide2.xml><?xml version="1.0" encoding="utf-8"?>
-<p:sld xmlns:a="http://schemas.openxmlformats.org/drawingml/2006/main" xmlns:r="http://schemas.openxmlformats.org/officeDocument/2006/relationships" xmlns:p="http://schemas.openxmlformats.org/presentationml/2006/main">
-  <p:cSld>
-    <p:spTree>
-      <p:nvGrpSpPr>
-        <p:cNvPr id="1" name=""/>
-        <p:cNvGrpSpPr/>
-        <p:nvPr/>
-      </p:nvGrpSpPr>
-      <p:grpSpPr>
-        <a:xfrm>
-          <a:off x="0" y="0"/>
-          <a:ext cx="0" cy="0"/>
-          <a:chOff x="0" y="0"/>
-          <a:chExt cx="0" cy="0"/>
-        </a:xfrm>
-      </p:grpSpPr>
-      <p:sp>
-        <p:nvSpPr>
-          <p:cNvPr id="2" name="제목 1">
-            <a:extLst>
-              <a:ext uri="{FF2B5EF4-FFF2-40B4-BE49-F238E27FC236}">
-                <a16:creationId xmlns:a16="http://schemas.microsoft.com/office/drawing/2014/main" id="{2F5A2D06-22A4-ED8A-8FAB-0A436ECA3674}"/>
-              </a:ext>
-            </a:extLst>
-          </p:cNvPr>
-          <p:cNvSpPr>
-            <a:spLocks noGrp="1"/>
-          </p:cNvSpPr>
-          <p:nvPr>
-            <p:ph type="title"/>
-          </p:nvPr>
-        </p:nvSpPr>
-        <p:spPr>
-          <a:xfrm>
-            <a:off x="838200" y="365126"/>
-            <a:ext cx="10023764" cy="817130"/>
-          </a:xfrm>
-        </p:spPr>
-        <p:txBody>
-          <a:bodyPr/>
-          <a:lstStyle/>
-          <a:p>
-            <a:r>
-              <a:rPr lang="ko-KR" altLang="en-US" dirty="0"/>
-              <a:t>참고용 </a:t>
-            </a:r>
-            <a:r>
-              <a:rPr lang="en-US" altLang="ko-KR" dirty="0"/>
-              <a:t>(PPT X)</a:t>
-            </a:r>
-            <a:endParaRPr lang="ko-KR" altLang="en-US" dirty="0"/>
-          </a:p>
-        </p:txBody>
-      </p:sp>
-      <p:sp>
-        <p:nvSpPr>
-          <p:cNvPr id="3" name="내용 개체 틀 2">
-            <a:extLst>
-              <a:ext uri="{FF2B5EF4-FFF2-40B4-BE49-F238E27FC236}">
-                <a16:creationId xmlns:a16="http://schemas.microsoft.com/office/drawing/2014/main" id="{CE169F0F-CA05-F06F-198F-D009F9009A55}"/>
-              </a:ext>
-            </a:extLst>
-          </p:cNvPr>
-          <p:cNvSpPr>
-            <a:spLocks noGrp="1"/>
-          </p:cNvSpPr>
-          <p:nvPr>
-            <p:ph idx="1"/>
-          </p:nvPr>
-        </p:nvSpPr>
-        <p:spPr>
-          <a:xfrm>
-            <a:off x="838200" y="1108364"/>
-            <a:ext cx="10515600" cy="5068599"/>
-          </a:xfrm>
-        </p:spPr>
-        <p:txBody>
-          <a:bodyPr>
-            <a:normAutofit lnSpcReduction="10000"/>
-          </a:bodyPr>
-          <a:lstStyle/>
-          <a:p>
-            <a:pPr marL="0" indent="0">
-              <a:buNone/>
-            </a:pPr>
-            <a:r>
-              <a:rPr lang="en-US" altLang="ko-KR" dirty="0"/>
-              <a:t>1. </a:t>
-            </a:r>
-            <a:r>
-              <a:rPr lang="ko-KR" altLang="en-US" dirty="0"/>
-              <a:t>사용자가 입력한 문장을 품사를 기반으로 토큰화를 진행한다</a:t>
-            </a:r>
-            <a:r>
-              <a:rPr lang="en-US" altLang="ko-KR" dirty="0"/>
-              <a:t>.</a:t>
-            </a:r>
-          </a:p>
-          <a:p>
-            <a:pPr marL="0" indent="0">
-              <a:buNone/>
-            </a:pPr>
-            <a:r>
-              <a:rPr lang="en-US" altLang="ko-KR" dirty="0"/>
-              <a:t>2.</a:t>
-            </a:r>
-            <a:r>
-              <a:rPr lang="ko-KR" altLang="en-US" dirty="0"/>
-              <a:t> 데이터 </a:t>
-            </a:r>
-            <a:r>
-              <a:rPr lang="ko-KR" altLang="en-US" dirty="0" err="1"/>
-              <a:t>전처리</a:t>
-            </a:r>
-            <a:r>
-              <a:rPr lang="ko-KR" altLang="en-US" dirty="0"/>
-              <a:t> 이후에 워드 </a:t>
-            </a:r>
-            <a:r>
-              <a:rPr lang="ko-KR" altLang="en-US" dirty="0" err="1"/>
-              <a:t>임베딩을</a:t>
-            </a:r>
-            <a:r>
-              <a:rPr lang="ko-KR" altLang="en-US" dirty="0"/>
-              <a:t> 수행한다</a:t>
-            </a:r>
-            <a:r>
-              <a:rPr lang="en-US" altLang="ko-KR" dirty="0"/>
-              <a:t>.</a:t>
-            </a:r>
-          </a:p>
-          <a:p>
-            <a:pPr marL="0" indent="0">
-              <a:buNone/>
-            </a:pPr>
-            <a:r>
-              <a:rPr lang="en-US" altLang="ko-KR" dirty="0"/>
-              <a:t>3. </a:t>
-            </a:r>
-            <a:r>
-              <a:rPr lang="ko-KR" altLang="en-US" dirty="0" err="1"/>
-              <a:t>인텐트</a:t>
-            </a:r>
-            <a:r>
-              <a:rPr lang="ko-KR" altLang="en-US" dirty="0"/>
-              <a:t> 모듈에서 사용자의 발화 의도를 파악하고 엔티티 모듈에서 문장내의 개체명을 인식한다</a:t>
-            </a:r>
-            <a:r>
-              <a:rPr lang="en-US" altLang="ko-KR" dirty="0"/>
-              <a:t>. </a:t>
-            </a:r>
-            <a:r>
-              <a:rPr lang="ko-KR" altLang="en-US" dirty="0"/>
-              <a:t>정해진 도메인 이외의 문장이 입력된 경우 </a:t>
-            </a:r>
-            <a:r>
-              <a:rPr lang="ko-KR" altLang="en-US" dirty="0" err="1"/>
-              <a:t>폴백</a:t>
-            </a:r>
-            <a:r>
-              <a:rPr lang="ko-KR" altLang="en-US" dirty="0"/>
-              <a:t> 모듈을 통해 반환한다</a:t>
-            </a:r>
-            <a:r>
-              <a:rPr lang="en-US" altLang="ko-KR" dirty="0"/>
-              <a:t>.</a:t>
-            </a:r>
-            <a:r>
-              <a:rPr lang="ko-KR" altLang="en-US" dirty="0"/>
-              <a:t> </a:t>
-            </a:r>
-            <a:endParaRPr lang="en-US" altLang="ko-KR" sz="2800" dirty="0"/>
-          </a:p>
-          <a:p>
-            <a:r>
-              <a:rPr lang="en-US" altLang="ko-KR" sz="2800" dirty="0"/>
-              <a:t>4. </a:t>
-            </a:r>
-            <a:r>
-              <a:rPr lang="ko-KR" altLang="en-US" sz="2800" dirty="0" err="1"/>
-              <a:t>인텐트</a:t>
-            </a:r>
-            <a:r>
-              <a:rPr lang="ko-KR" altLang="en-US" sz="2800" dirty="0"/>
-              <a:t> 모듈을 통해 슬롯을 고르고</a:t>
-            </a:r>
-            <a:r>
-              <a:rPr lang="en-US" altLang="ko-KR" sz="2800" dirty="0"/>
-              <a:t>, </a:t>
-            </a:r>
-            <a:r>
-              <a:rPr lang="ko-KR" altLang="en-US" sz="2800" dirty="0"/>
-              <a:t>엔티티 모듈을 통해 해당 슬롯을 채운다</a:t>
-            </a:r>
-            <a:r>
-              <a:rPr lang="en-US" altLang="ko-KR" sz="2800" dirty="0"/>
-              <a:t>.</a:t>
-            </a:r>
-          </a:p>
-          <a:p>
-            <a:r>
-              <a:rPr lang="en-US" altLang="ko-KR" sz="2800" dirty="0"/>
-              <a:t>5.</a:t>
-            </a:r>
-            <a:r>
-              <a:rPr lang="ko-KR" altLang="en-US" sz="2800" dirty="0"/>
-              <a:t> 마지막으로 </a:t>
-            </a:r>
-            <a:r>
-              <a:rPr lang="en-US" altLang="ko-KR" sz="2800" dirty="0"/>
-              <a:t>API</a:t>
-            </a:r>
-            <a:r>
-              <a:rPr lang="ko-KR" altLang="en-US" sz="2800" dirty="0"/>
-              <a:t>를 호출하여 사용자에게 정보를 제공한다</a:t>
-            </a:r>
-            <a:r>
-              <a:rPr lang="en-US" altLang="ko-KR" sz="2800" dirty="0"/>
-              <a:t>.</a:t>
-            </a:r>
-          </a:p>
-          <a:p>
-            <a:endParaRPr lang="en-US" altLang="ko-KR" dirty="0"/>
-          </a:p>
-          <a:p>
-            <a:r>
-              <a:rPr lang="ko-KR" altLang="en-US" sz="2800" dirty="0"/>
-              <a:t>워드 </a:t>
-            </a:r>
-            <a:r>
-              <a:rPr lang="ko-KR" altLang="en-US" sz="2800" dirty="0" err="1"/>
-              <a:t>임베딩</a:t>
-            </a:r>
-            <a:r>
-              <a:rPr lang="en-US" altLang="ko-KR" sz="2800" dirty="0"/>
-              <a:t>: </a:t>
-            </a:r>
-            <a:r>
-              <a:rPr lang="ko-KR" altLang="en-US" dirty="0"/>
-              <a:t>단어 간 유사도 및 중요도 파악을 위해 단어를 저차원의 실수 벡터로 </a:t>
-            </a:r>
-            <a:r>
-              <a:rPr lang="ko-KR" altLang="en-US" dirty="0" err="1"/>
-              <a:t>맵핑하여</a:t>
-            </a:r>
-            <a:r>
-              <a:rPr lang="ko-KR" altLang="en-US" dirty="0"/>
-              <a:t> 의미적으로 비슷한 단어를 가깝게 배치하는 자연어 처리 모델링 기술</a:t>
-            </a:r>
-          </a:p>
-        </p:txBody>
-      </p:sp>
-    </p:spTree>
-    <p:extLst>
-      <p:ext uri="{BB962C8B-B14F-4D97-AF65-F5344CB8AC3E}">
-        <p14:creationId xmlns:p14="http://schemas.microsoft.com/office/powerpoint/2010/main" val="3394485489"/>
+        <p14:creationId xmlns:p14="http://schemas.microsoft.com/office/powerpoint/2010/main" val="1722036209"/>
       </p:ext>
     </p:extLst>
   </p:cSld>
